--- a/3 Entwicklungsphase/weekly_meeting_9.pptx
+++ b/3 Entwicklungsphase/weekly_meeting_9.pptx
@@ -17,7 +17,6 @@
     <p:sldId id="275" r:id="rId11"/>
     <p:sldId id="274" r:id="rId12"/>
     <p:sldId id="272" r:id="rId13"/>
-    <p:sldId id="271" r:id="rId14"/>
   </p:sldIdLst>
   <p:sldSz cx="12192000" cy="6858000"/>
   <p:notesSz cx="6858000" cy="9144000"/>
@@ -271,7 +270,7 @@
           <a:p>
             <a:fld id="{7E2CC3E8-F4D3-4BD0-85C9-D1B5AC4917BD}" type="datetimeFigureOut">
               <a:rPr lang="en-US" smtClean="0"/>
-              <a:t>6/12/2018</a:t>
+              <a:t>7/13/2018</a:t>
             </a:fld>
             <a:endParaRPr lang="en-US"/>
           </a:p>
@@ -325,7 +324,7 @@
           <a:p>
             <a:fld id="{99293C7F-59EB-4A3A-A30C-171723B2F31C}" type="slidenum">
               <a:rPr lang="en-US" smtClean="0"/>
-              <a:t>‹#›</a:t>
+              <a:t>‹Nr.›</a:t>
             </a:fld>
             <a:endParaRPr lang="en-US"/>
           </a:p>
@@ -469,7 +468,7 @@
           <a:p>
             <a:fld id="{7E2CC3E8-F4D3-4BD0-85C9-D1B5AC4917BD}" type="datetimeFigureOut">
               <a:rPr lang="en-US" smtClean="0"/>
-              <a:t>6/12/2018</a:t>
+              <a:t>7/13/2018</a:t>
             </a:fld>
             <a:endParaRPr lang="en-US"/>
           </a:p>
@@ -523,7 +522,7 @@
           <a:p>
             <a:fld id="{99293C7F-59EB-4A3A-A30C-171723B2F31C}" type="slidenum">
               <a:rPr lang="en-US" smtClean="0"/>
-              <a:t>‹#›</a:t>
+              <a:t>‹Nr.›</a:t>
             </a:fld>
             <a:endParaRPr lang="en-US"/>
           </a:p>
@@ -677,7 +676,7 @@
           <a:p>
             <a:fld id="{7E2CC3E8-F4D3-4BD0-85C9-D1B5AC4917BD}" type="datetimeFigureOut">
               <a:rPr lang="en-US" smtClean="0"/>
-              <a:t>6/12/2018</a:t>
+              <a:t>7/13/2018</a:t>
             </a:fld>
             <a:endParaRPr lang="en-US"/>
           </a:p>
@@ -731,7 +730,7 @@
           <a:p>
             <a:fld id="{99293C7F-59EB-4A3A-A30C-171723B2F31C}" type="slidenum">
               <a:rPr lang="en-US" smtClean="0"/>
-              <a:t>‹#›</a:t>
+              <a:t>‹Nr.›</a:t>
             </a:fld>
             <a:endParaRPr lang="en-US"/>
           </a:p>
@@ -875,7 +874,7 @@
           <a:p>
             <a:fld id="{7E2CC3E8-F4D3-4BD0-85C9-D1B5AC4917BD}" type="datetimeFigureOut">
               <a:rPr lang="en-US" smtClean="0"/>
-              <a:t>6/12/2018</a:t>
+              <a:t>7/13/2018</a:t>
             </a:fld>
             <a:endParaRPr lang="en-US"/>
           </a:p>
@@ -929,7 +928,7 @@
           <a:p>
             <a:fld id="{99293C7F-59EB-4A3A-A30C-171723B2F31C}" type="slidenum">
               <a:rPr lang="en-US" smtClean="0"/>
-              <a:t>‹#›</a:t>
+              <a:t>‹Nr.›</a:t>
             </a:fld>
             <a:endParaRPr lang="en-US"/>
           </a:p>
@@ -1150,7 +1149,7 @@
           <a:p>
             <a:fld id="{7E2CC3E8-F4D3-4BD0-85C9-D1B5AC4917BD}" type="datetimeFigureOut">
               <a:rPr lang="en-US" smtClean="0"/>
-              <a:t>6/12/2018</a:t>
+              <a:t>7/13/2018</a:t>
             </a:fld>
             <a:endParaRPr lang="en-US"/>
           </a:p>
@@ -1204,7 +1203,7 @@
           <a:p>
             <a:fld id="{99293C7F-59EB-4A3A-A30C-171723B2F31C}" type="slidenum">
               <a:rPr lang="en-US" smtClean="0"/>
-              <a:t>‹#›</a:t>
+              <a:t>‹Nr.›</a:t>
             </a:fld>
             <a:endParaRPr lang="en-US"/>
           </a:p>
@@ -1415,7 +1414,7 @@
           <a:p>
             <a:fld id="{7E2CC3E8-F4D3-4BD0-85C9-D1B5AC4917BD}" type="datetimeFigureOut">
               <a:rPr lang="en-US" smtClean="0"/>
-              <a:t>6/12/2018</a:t>
+              <a:t>7/13/2018</a:t>
             </a:fld>
             <a:endParaRPr lang="en-US"/>
           </a:p>
@@ -1469,7 +1468,7 @@
           <a:p>
             <a:fld id="{99293C7F-59EB-4A3A-A30C-171723B2F31C}" type="slidenum">
               <a:rPr lang="en-US" smtClean="0"/>
-              <a:t>‹#›</a:t>
+              <a:t>‹Nr.›</a:t>
             </a:fld>
             <a:endParaRPr lang="en-US"/>
           </a:p>
@@ -1827,7 +1826,7 @@
           <a:p>
             <a:fld id="{7E2CC3E8-F4D3-4BD0-85C9-D1B5AC4917BD}" type="datetimeFigureOut">
               <a:rPr lang="en-US" smtClean="0"/>
-              <a:t>6/12/2018</a:t>
+              <a:t>7/13/2018</a:t>
             </a:fld>
             <a:endParaRPr lang="en-US"/>
           </a:p>
@@ -1881,7 +1880,7 @@
           <a:p>
             <a:fld id="{99293C7F-59EB-4A3A-A30C-171723B2F31C}" type="slidenum">
               <a:rPr lang="en-US" smtClean="0"/>
-              <a:t>‹#›</a:t>
+              <a:t>‹Nr.›</a:t>
             </a:fld>
             <a:endParaRPr lang="en-US"/>
           </a:p>
@@ -1968,7 +1967,7 @@
           <a:p>
             <a:fld id="{7E2CC3E8-F4D3-4BD0-85C9-D1B5AC4917BD}" type="datetimeFigureOut">
               <a:rPr lang="en-US" smtClean="0"/>
-              <a:t>6/12/2018</a:t>
+              <a:t>7/13/2018</a:t>
             </a:fld>
             <a:endParaRPr lang="en-US"/>
           </a:p>
@@ -2022,7 +2021,7 @@
           <a:p>
             <a:fld id="{99293C7F-59EB-4A3A-A30C-171723B2F31C}" type="slidenum">
               <a:rPr lang="en-US" smtClean="0"/>
-              <a:t>‹#›</a:t>
+              <a:t>‹Nr.›</a:t>
             </a:fld>
             <a:endParaRPr lang="en-US"/>
           </a:p>
@@ -2081,7 +2080,7 @@
           <a:p>
             <a:fld id="{7E2CC3E8-F4D3-4BD0-85C9-D1B5AC4917BD}" type="datetimeFigureOut">
               <a:rPr lang="en-US" smtClean="0"/>
-              <a:t>6/12/2018</a:t>
+              <a:t>7/13/2018</a:t>
             </a:fld>
             <a:endParaRPr lang="en-US"/>
           </a:p>
@@ -2135,7 +2134,7 @@
           <a:p>
             <a:fld id="{99293C7F-59EB-4A3A-A30C-171723B2F31C}" type="slidenum">
               <a:rPr lang="en-US" smtClean="0"/>
-              <a:t>‹#›</a:t>
+              <a:t>‹Nr.›</a:t>
             </a:fld>
             <a:endParaRPr lang="en-US"/>
           </a:p>
@@ -2392,7 +2391,7 @@
           <a:p>
             <a:fld id="{7E2CC3E8-F4D3-4BD0-85C9-D1B5AC4917BD}" type="datetimeFigureOut">
               <a:rPr lang="en-US" smtClean="0"/>
-              <a:t>6/12/2018</a:t>
+              <a:t>7/13/2018</a:t>
             </a:fld>
             <a:endParaRPr lang="en-US"/>
           </a:p>
@@ -2446,7 +2445,7 @@
           <a:p>
             <a:fld id="{99293C7F-59EB-4A3A-A30C-171723B2F31C}" type="slidenum">
               <a:rPr lang="en-US" smtClean="0"/>
-              <a:t>‹#›</a:t>
+              <a:t>‹Nr.›</a:t>
             </a:fld>
             <a:endParaRPr lang="en-US"/>
           </a:p>
@@ -2680,7 +2679,7 @@
           <a:p>
             <a:fld id="{7E2CC3E8-F4D3-4BD0-85C9-D1B5AC4917BD}" type="datetimeFigureOut">
               <a:rPr lang="en-US" smtClean="0"/>
-              <a:t>6/12/2018</a:t>
+              <a:t>7/13/2018</a:t>
             </a:fld>
             <a:endParaRPr lang="en-US"/>
           </a:p>
@@ -2734,7 +2733,7 @@
           <a:p>
             <a:fld id="{99293C7F-59EB-4A3A-A30C-171723B2F31C}" type="slidenum">
               <a:rPr lang="en-US" smtClean="0"/>
-              <a:t>‹#›</a:t>
+              <a:t>‹Nr.›</a:t>
             </a:fld>
             <a:endParaRPr lang="en-US"/>
           </a:p>
@@ -2921,7 +2920,7 @@
           <a:p>
             <a:fld id="{7E2CC3E8-F4D3-4BD0-85C9-D1B5AC4917BD}" type="datetimeFigureOut">
               <a:rPr lang="en-US" smtClean="0"/>
-              <a:t>6/12/2018</a:t>
+              <a:t>7/13/2018</a:t>
             </a:fld>
             <a:endParaRPr lang="en-US"/>
           </a:p>
@@ -3011,7 +3010,7 @@
           <a:p>
             <a:fld id="{99293C7F-59EB-4A3A-A30C-171723B2F31C}" type="slidenum">
               <a:rPr lang="en-US" smtClean="0"/>
-              <a:t>‹#›</a:t>
+              <a:t>‹Nr.›</a:t>
             </a:fld>
             <a:endParaRPr lang="en-US"/>
           </a:p>
@@ -8724,169 +8723,6 @@
 </p:sld>
 </file>
 
-<file path=ppt/slides/slide13.xml><?xml version="1.0" encoding="utf-8"?>
-<p:sld xmlns:a="http://schemas.openxmlformats.org/drawingml/2006/main" xmlns:r="http://schemas.openxmlformats.org/officeDocument/2006/relationships" xmlns:p="http://schemas.openxmlformats.org/presentationml/2006/main">
-  <p:cSld>
-    <p:spTree>
-      <p:nvGrpSpPr>
-        <p:cNvPr id="1" name=""/>
-        <p:cNvGrpSpPr/>
-        <p:nvPr/>
-      </p:nvGrpSpPr>
-      <p:grpSpPr>
-        <a:xfrm>
-          <a:off x="0" y="0"/>
-          <a:ext cx="0" cy="0"/>
-          <a:chOff x="0" y="0"/>
-          <a:chExt cx="0" cy="0"/>
-        </a:xfrm>
-      </p:grpSpPr>
-      <p:sp>
-        <p:nvSpPr>
-          <p:cNvPr id="2" name="Title 1">
-            <a:extLst>
-              <a:ext uri="{FF2B5EF4-FFF2-40B4-BE49-F238E27FC236}">
-                <a16:creationId xmlns:a16="http://schemas.microsoft.com/office/drawing/2014/main" id="{8AEB4669-5D9E-428A-9F10-64DC2B65A45E}"/>
-              </a:ext>
-            </a:extLst>
-          </p:cNvPr>
-          <p:cNvSpPr>
-            <a:spLocks noGrp="1"/>
-          </p:cNvSpPr>
-          <p:nvPr>
-            <p:ph type="title"/>
-          </p:nvPr>
-        </p:nvSpPr>
-        <p:spPr>
-          <a:xfrm>
-            <a:off x="0" y="18255"/>
-            <a:ext cx="12192000" cy="991939"/>
-          </a:xfrm>
-        </p:spPr>
-        <p:txBody>
-          <a:bodyPr>
-            <a:normAutofit/>
-          </a:bodyPr>
-          <a:lstStyle/>
-          <a:p>
-            <a:r>
-              <a:rPr lang="en-US" sz="3200" b="1" dirty="0">
-                <a:solidFill>
-                  <a:srgbClr val="339966"/>
-                </a:solidFill>
-              </a:rPr>
-              <a:t>Next Sprint</a:t>
-            </a:r>
-            <a:br>
-              <a:rPr lang="en-US" sz="3200" b="1" dirty="0">
-                <a:solidFill>
-                  <a:srgbClr val="339966"/>
-                </a:solidFill>
-              </a:rPr>
-            </a:br>
-            <a:r>
-              <a:rPr lang="en-US" sz="1600" b="1" dirty="0">
-                <a:solidFill>
-                  <a:schemeClr val="bg1">
-                    <a:lumMod val="50000"/>
-                  </a:schemeClr>
-                </a:solidFill>
-              </a:rPr>
-              <a:t>Weekly Sprint 10</a:t>
-            </a:r>
-            <a:endParaRPr lang="en-US" sz="3200" dirty="0">
-              <a:solidFill>
-                <a:schemeClr val="bg1">
-                  <a:lumMod val="50000"/>
-                </a:schemeClr>
-              </a:solidFill>
-            </a:endParaRPr>
-          </a:p>
-        </p:txBody>
-      </p:sp>
-      <p:pic>
-        <p:nvPicPr>
-          <p:cNvPr id="3" name="Picture 2" descr="Image result for gefasoft logo svg">
-            <a:extLst>
-              <a:ext uri="{FF2B5EF4-FFF2-40B4-BE49-F238E27FC236}">
-                <a16:creationId xmlns:a16="http://schemas.microsoft.com/office/drawing/2014/main" id="{B88C6BB7-9506-441C-AAC0-C315A42FF0AE}"/>
-              </a:ext>
-            </a:extLst>
-          </p:cNvPr>
-          <p:cNvPicPr>
-            <a:picLocks noChangeAspect="1" noChangeArrowheads="1"/>
-          </p:cNvPicPr>
-          <p:nvPr/>
-        </p:nvPicPr>
-        <p:blipFill>
-          <a:blip r:embed="rId2" cstate="hqprint">
-            <a:extLst>
-              <a:ext uri="{BEBA8EAE-BF5A-486C-A8C5-ECC9F3942E4B}">
-                <a14:imgProps xmlns:a14="http://schemas.microsoft.com/office/drawing/2010/main">
-                  <a14:imgLayer r:embed="rId3">
-                    <a14:imgEffect>
-                      <a14:backgroundRemoval t="9109" b="95736" l="1482" r="99915">
-                        <a14:foregroundMark x1="19094" y1="9496" x2="19094" y2="9496"/>
-                        <a14:foregroundMark x1="4742" y1="19186" x2="4742" y2="19186"/>
-                        <a14:foregroundMark x1="1566" y1="45930" x2="1566" y2="45930"/>
-                        <a14:foregroundMark x1="20152" y1="96124" x2="20152" y2="96124"/>
-                        <a14:foregroundMark x1="39797" y1="58721" x2="39797" y2="58721"/>
-                        <a14:foregroundMark x1="51524" y1="44767" x2="51524" y2="44767"/>
-                        <a14:foregroundMark x1="58086" y1="43217" x2="58086" y2="43217"/>
-                        <a14:foregroundMark x1="64310" y1="42054" x2="64310" y2="42054"/>
-                        <a14:foregroundMark x1="72142" y1="42442" x2="72142" y2="42442"/>
-                        <a14:foregroundMark x1="78535" y1="42054" x2="78535" y2="42054"/>
-                        <a14:foregroundMark x1="89839" y1="29070" x2="89839" y2="29070"/>
-                        <a14:foregroundMark x1="95809" y1="25194" x2="95809" y2="25194"/>
-                        <a14:foregroundMark x1="99915" y1="24806" x2="99915" y2="24806"/>
-                      </a14:backgroundRemoval>
-                    </a14:imgEffect>
-                  </a14:imgLayer>
-                </a14:imgProps>
-              </a:ext>
-              <a:ext uri="{28A0092B-C50C-407E-A947-70E740481C1C}">
-                <a14:useLocalDpi xmlns:a14="http://schemas.microsoft.com/office/drawing/2010/main" val="0"/>
-              </a:ext>
-            </a:extLst>
-          </a:blip>
-          <a:srcRect/>
-          <a:stretch>
-            <a:fillRect/>
-          </a:stretch>
-        </p:blipFill>
-        <p:spPr bwMode="auto">
-          <a:xfrm>
-            <a:off x="10413546" y="140804"/>
-            <a:ext cx="1641442" cy="358638"/>
-          </a:xfrm>
-          <a:prstGeom prst="rect">
-            <a:avLst/>
-          </a:prstGeom>
-          <a:noFill/>
-          <a:extLst>
-            <a:ext uri="{909E8E84-426E-40DD-AFC4-6F175D3DCCD1}">
-              <a14:hiddenFill xmlns:a14="http://schemas.microsoft.com/office/drawing/2010/main">
-                <a:solidFill>
-                  <a:srgbClr val="FFFFFF"/>
-                </a:solidFill>
-              </a14:hiddenFill>
-            </a:ext>
-          </a:extLst>
-        </p:spPr>
-      </p:pic>
-    </p:spTree>
-    <p:extLst>
-      <p:ext uri="{BB962C8B-B14F-4D97-AF65-F5344CB8AC3E}">
-        <p14:creationId xmlns:p14="http://schemas.microsoft.com/office/powerpoint/2010/main" val="267352282"/>
-      </p:ext>
-    </p:extLst>
-  </p:cSld>
-  <p:clrMapOvr>
-    <a:masterClrMapping/>
-  </p:clrMapOvr>
-</p:sld>
-</file>
-
 <file path=ppt/slides/slide2.xml><?xml version="1.0" encoding="utf-8"?>
 <p:sld xmlns:a="http://schemas.openxmlformats.org/drawingml/2006/main" xmlns:r="http://schemas.openxmlformats.org/officeDocument/2006/relationships" xmlns:p="http://schemas.openxmlformats.org/presentationml/2006/main">
   <p:cSld>
@@ -10603,6 +10439,14 @@
               </a:rPr>
               <a:t>Boardlet</a:t>
             </a:r>
+            <a:r>
+              <a:rPr lang="en-US" sz="3200" b="1" dirty="0">
+                <a:solidFill>
+                  <a:srgbClr val="339966"/>
+                </a:solidFill>
+              </a:rPr>
+              <a:t/>
+            </a:r>
             <a:br>
               <a:rPr lang="en-US" sz="3200" b="1" dirty="0">
                 <a:solidFill>
@@ -11686,6 +11530,14 @@
                 </a:solidFill>
               </a:rPr>
               <a:t>Boardlet</a:t>
+            </a:r>
+            <a:r>
+              <a:rPr lang="en-US" sz="3200" b="1" dirty="0">
+                <a:solidFill>
+                  <a:srgbClr val="339966"/>
+                </a:solidFill>
+              </a:rPr>
+              <a:t/>
             </a:r>
             <a:br>
               <a:rPr lang="en-US" sz="3200" b="1" dirty="0">
